--- a/OOSD/Week 11/S1. Django Best Practices and E2E Testing.pptx
+++ b/OOSD/Week 11/S1. Django Best Practices and E2E Testing.pptx
@@ -217,7 +217,7 @@
           <a:p>
             <a:fld id="{5C15C721-1CBE-9B49-BE99-3A9DF18FA391}" type="datetimeFigureOut">
               <a:rPr lang="en-US" smtClean="0"/>
-              <a:t>5/15/19</a:t>
+              <a:t>6/10/19</a:t>
             </a:fld>
             <a:endParaRPr lang="en-US"/>
           </a:p>
@@ -881,19 +881,7 @@
                 <a:ea typeface="+mn-ea"/>
                 <a:cs typeface="+mn-cs"/>
               </a:rPr>
-              <a:t>in your </a:t>
-            </a:r>
-            <a:r>
-              <a:rPr lang="en-US" sz="1200" b="0" i="0" kern="1200" dirty="0" smtClean="0">
-                <a:solidFill>
-                  <a:schemeClr val="tx1"/>
-                </a:solidFill>
-                <a:effectLst/>
-                <a:latin typeface="+mn-lt"/>
-                <a:ea typeface="+mn-ea"/>
-                <a:cs typeface="+mn-cs"/>
-              </a:rPr>
-              <a:t>code</a:t>
+              <a:t>in your code</a:t>
             </a:r>
           </a:p>
           <a:p>
@@ -2230,8 +2218,29 @@
                 <a:ea typeface="+mn-ea"/>
                 <a:cs typeface="+mn-cs"/>
               </a:rPr>
-              <a:t>web automation framework that allows you to execute your tests against different </a:t>
-            </a:r>
+              <a:t>web automation framework that allows you to execute your tests against different browsers</a:t>
+            </a:r>
+            <a:endParaRPr lang="en-US" dirty="0" smtClean="0"/>
+          </a:p>
+          <a:p>
+            <a:pPr marL="171450" indent="-171450">
+              <a:buFont typeface="Arial" charset="0"/>
+              <a:buChar char="•"/>
+            </a:pPr>
+            <a:r>
+              <a:rPr lang="en-US" dirty="0" smtClean="0"/>
+              <a:t>Collection</a:t>
+            </a:r>
+            <a:r>
+              <a:rPr lang="en-US" baseline="0" dirty="0" smtClean="0"/>
+              <a:t> of open source APIs and drivers </a:t>
+            </a:r>
+          </a:p>
+          <a:p>
+            <a:pPr marL="171450" indent="-171450">
+              <a:buFont typeface="Arial" charset="0"/>
+              <a:buChar char="•"/>
+            </a:pPr>
             <a:r>
               <a:rPr lang="en-US" sz="1200" b="0" i="0" kern="1200" dirty="0" smtClean="0">
                 <a:solidFill>
@@ -2242,56 +2251,7 @@
                 <a:ea typeface="+mn-ea"/>
                 <a:cs typeface="+mn-cs"/>
               </a:rPr>
-              <a:t>browsers</a:t>
-            </a:r>
-            <a:endParaRPr lang="en-US" dirty="0" smtClean="0"/>
-          </a:p>
-          <a:p>
-            <a:pPr marL="171450" indent="-171450">
-              <a:buFont typeface="Arial" charset="0"/>
-              <a:buChar char="•"/>
-            </a:pPr>
-            <a:r>
-              <a:rPr lang="en-US" dirty="0" smtClean="0"/>
-              <a:t>Collection</a:t>
-            </a:r>
-            <a:r>
-              <a:rPr lang="en-US" baseline="0" dirty="0" smtClean="0"/>
-              <a:t> of open source APIs </a:t>
-            </a:r>
-            <a:r>
-              <a:rPr lang="en-US" baseline="0" dirty="0" smtClean="0"/>
-              <a:t>and drivers </a:t>
-            </a:r>
-          </a:p>
-          <a:p>
-            <a:pPr marL="171450" indent="-171450">
-              <a:buFont typeface="Arial" charset="0"/>
-              <a:buChar char="•"/>
-            </a:pPr>
-            <a:r>
-              <a:rPr lang="en-US" sz="1200" b="0" i="0" kern="1200" dirty="0" smtClean="0">
-                <a:solidFill>
-                  <a:schemeClr val="tx1"/>
-                </a:solidFill>
-                <a:effectLst/>
-                <a:latin typeface="+mn-lt"/>
-                <a:ea typeface="+mn-ea"/>
-                <a:cs typeface="+mn-cs"/>
-              </a:rPr>
-              <a:t>Programming </a:t>
-            </a:r>
-            <a:r>
-              <a:rPr lang="en-US" sz="1200" b="0" i="0" kern="1200" dirty="0" smtClean="0">
-                <a:solidFill>
-                  <a:schemeClr val="tx1"/>
-                </a:solidFill>
-                <a:effectLst/>
-                <a:latin typeface="+mn-lt"/>
-                <a:ea typeface="+mn-ea"/>
-                <a:cs typeface="+mn-cs"/>
-              </a:rPr>
-              <a:t>languages supported include C#, Java, JavaScript, Perl, PHP and Ruby</a:t>
+              <a:t>Programming languages supported include C#, Java, JavaScript, Perl, PHP and Ruby</a:t>
             </a:r>
             <a:endParaRPr lang="en-US" sz="1200" b="0" i="0" kern="1200" dirty="0">
               <a:solidFill>
@@ -2366,29 +2326,8 @@
                 <a:ea typeface="+mn-ea"/>
                 <a:cs typeface="+mn-cs"/>
               </a:rPr>
-              <a:t>Local strategies include class name, CSS selector and </a:t>
-            </a:r>
-            <a:r>
-              <a:rPr lang="en-US" sz="1200" b="0" i="0" kern="1200" baseline="0" dirty="0" smtClean="0">
-                <a:solidFill>
-                  <a:schemeClr val="tx1"/>
-                </a:solidFill>
-                <a:effectLst/>
-                <a:latin typeface="+mn-lt"/>
-                <a:ea typeface="+mn-ea"/>
-                <a:cs typeface="+mn-cs"/>
-              </a:rPr>
-              <a:t>XPath</a:t>
-            </a:r>
-            <a:endParaRPr lang="en-US" sz="1200" b="0" i="0" kern="1200" baseline="0" dirty="0" smtClean="0">
-              <a:solidFill>
-                <a:schemeClr val="tx1"/>
-              </a:solidFill>
-              <a:effectLst/>
-              <a:latin typeface="+mn-lt"/>
-              <a:ea typeface="+mn-ea"/>
-              <a:cs typeface="+mn-cs"/>
-            </a:endParaRPr>
+              <a:t>Local strategies include class name, CSS selector and XPath</a:t>
+            </a:r>
           </a:p>
         </p:txBody>
       </p:sp>
@@ -2559,7 +2498,7 @@
           <a:p>
             <a:fld id="{BD4CA122-8521-6D44-9B67-558DC60F8753}" type="datetimeFigureOut">
               <a:rPr lang="en-US" smtClean="0"/>
-              <a:t>5/15/19</a:t>
+              <a:t>6/10/19</a:t>
             </a:fld>
             <a:endParaRPr lang="en-US"/>
           </a:p>
@@ -2729,7 +2668,7 @@
           <a:p>
             <a:fld id="{BD4CA122-8521-6D44-9B67-558DC60F8753}" type="datetimeFigureOut">
               <a:rPr lang="en-US" smtClean="0"/>
-              <a:t>5/15/19</a:t>
+              <a:t>6/10/19</a:t>
             </a:fld>
             <a:endParaRPr lang="en-US"/>
           </a:p>
@@ -2909,7 +2848,7 @@
           <a:p>
             <a:fld id="{BD4CA122-8521-6D44-9B67-558DC60F8753}" type="datetimeFigureOut">
               <a:rPr lang="en-US" smtClean="0"/>
-              <a:t>5/15/19</a:t>
+              <a:t>6/10/19</a:t>
             </a:fld>
             <a:endParaRPr lang="en-US"/>
           </a:p>
@@ -3079,7 +3018,7 @@
           <a:p>
             <a:fld id="{BD4CA122-8521-6D44-9B67-558DC60F8753}" type="datetimeFigureOut">
               <a:rPr lang="en-US" smtClean="0"/>
-              <a:t>5/15/19</a:t>
+              <a:t>6/10/19</a:t>
             </a:fld>
             <a:endParaRPr lang="en-US"/>
           </a:p>
@@ -3325,7 +3264,7 @@
           <a:p>
             <a:fld id="{BD4CA122-8521-6D44-9B67-558DC60F8753}" type="datetimeFigureOut">
               <a:rPr lang="en-US" smtClean="0"/>
-              <a:t>5/15/19</a:t>
+              <a:t>6/10/19</a:t>
             </a:fld>
             <a:endParaRPr lang="en-US"/>
           </a:p>
@@ -3557,7 +3496,7 @@
           <a:p>
             <a:fld id="{BD4CA122-8521-6D44-9B67-558DC60F8753}" type="datetimeFigureOut">
               <a:rPr lang="en-US" smtClean="0"/>
-              <a:t>5/15/19</a:t>
+              <a:t>6/10/19</a:t>
             </a:fld>
             <a:endParaRPr lang="en-US"/>
           </a:p>
@@ -3924,7 +3863,7 @@
           <a:p>
             <a:fld id="{BD4CA122-8521-6D44-9B67-558DC60F8753}" type="datetimeFigureOut">
               <a:rPr lang="en-US" smtClean="0"/>
-              <a:t>5/15/19</a:t>
+              <a:t>6/10/19</a:t>
             </a:fld>
             <a:endParaRPr lang="en-US"/>
           </a:p>
@@ -4042,7 +3981,7 @@
           <a:p>
             <a:fld id="{BD4CA122-8521-6D44-9B67-558DC60F8753}" type="datetimeFigureOut">
               <a:rPr lang="en-US" smtClean="0"/>
-              <a:t>5/15/19</a:t>
+              <a:t>6/10/19</a:t>
             </a:fld>
             <a:endParaRPr lang="en-US"/>
           </a:p>
@@ -4137,7 +4076,7 @@
           <a:p>
             <a:fld id="{BD4CA122-8521-6D44-9B67-558DC60F8753}" type="datetimeFigureOut">
               <a:rPr lang="en-US" smtClean="0"/>
-              <a:t>5/15/19</a:t>
+              <a:t>6/10/19</a:t>
             </a:fld>
             <a:endParaRPr lang="en-US"/>
           </a:p>
@@ -4414,7 +4353,7 @@
           <a:p>
             <a:fld id="{BD4CA122-8521-6D44-9B67-558DC60F8753}" type="datetimeFigureOut">
               <a:rPr lang="en-US" smtClean="0"/>
-              <a:t>5/15/19</a:t>
+              <a:t>6/10/19</a:t>
             </a:fld>
             <a:endParaRPr lang="en-US"/>
           </a:p>
@@ -4667,7 +4606,7 @@
           <a:p>
             <a:fld id="{BD4CA122-8521-6D44-9B67-558DC60F8753}" type="datetimeFigureOut">
               <a:rPr lang="en-US" smtClean="0"/>
-              <a:t>5/15/19</a:t>
+              <a:t>6/10/19</a:t>
             </a:fld>
             <a:endParaRPr lang="en-US"/>
           </a:p>
@@ -4880,7 +4819,7 @@
           <a:p>
             <a:fld id="{BD4CA122-8521-6D44-9B67-558DC60F8753}" type="datetimeFigureOut">
               <a:rPr lang="en-US" smtClean="0"/>
-              <a:t>5/15/19</a:t>
+              <a:t>6/10/19</a:t>
             </a:fld>
             <a:endParaRPr lang="en-US"/>
           </a:p>
@@ -5320,8 +5259,12 @@
           <a:p>
             <a:pPr algn="ctr"/>
             <a:r>
+              <a:rPr lang="en-US" sz="3800" b="1" smtClean="0"/>
+              <a:t>Object-Oriented </a:t>
+            </a:r>
+            <a:r>
               <a:rPr lang="en-US" sz="3800" b="1" dirty="0" smtClean="0"/>
-              <a:t>Object Oriented System Development</a:t>
+              <a:t>System Development</a:t>
             </a:r>
             <a:endParaRPr lang="en-US" sz="3800" b="1" dirty="0"/>
           </a:p>
